--- a/docs/reports/Presentation.pptx
+++ b/docs/reports/Presentation.pptx
@@ -3442,19 +3442,25 @@
           </a:xfrm>
         </p:spPr>
         <p:txBody>
-          <a:bodyPr/>
-          <a:lstStyle/>
-          <a:p>
+          <a:bodyPr>
+            <a:normAutofit fontScale="90000"/>
+          </a:bodyPr>
+          <a:lstStyle/>
+          <a:p>
+            <a:r>
+              <a:rPr lang="tr-TR" sz="6600" smtClean="0"/>
+              <a:t/>
+            </a:r>
+            <a:br>
+              <a:rPr lang="tr-TR" sz="6600" smtClean="0"/>
+            </a:br>
+            <a:r>
+              <a:rPr lang="tr-TR" sz="6600" smtClean="0"/>
+              <a:t>BLUETOOTH INDOOR </a:t>
+            </a:r>
             <a:r>
               <a:rPr lang="tr-TR" sz="6600" dirty="0" smtClean="0"/>
-              <a:t/>
-            </a:r>
-            <a:br>
-              <a:rPr lang="tr-TR" sz="6600" dirty="0" smtClean="0"/>
-            </a:br>
-            <a:r>
-              <a:rPr lang="tr-TR" sz="6600" dirty="0" smtClean="0"/>
-              <a:t>INDOOR POSITIONING USING RASPBERRY PI</a:t>
+              <a:t>POSITIONING USING RASPBERRY PI</a:t>
             </a:r>
             <a:endParaRPr lang="en-US" dirty="0"/>
           </a:p>
